--- a/図作成用パワーポイント/omonte.pptx
+++ b/図作成用パワーポイント/omonte.pptx
@@ -254,7 +254,7 @@
           <a:p>
             <a:fld id="{20729CD2-01AC-449B-A4EA-8FAD07C0EC93}" type="datetimeFigureOut">
               <a:rPr kumimoji="1" lang="ja-JP" altLang="en-US" smtClean="0"/>
-              <a:t>2018/11/5</a:t>
+              <a:t>2019/3/1</a:t>
             </a:fld>
             <a:endParaRPr kumimoji="1" lang="ja-JP" altLang="en-US"/>
           </a:p>
@@ -456,7 +456,7 @@
           <a:p>
             <a:fld id="{20729CD2-01AC-449B-A4EA-8FAD07C0EC93}" type="datetimeFigureOut">
               <a:rPr kumimoji="1" lang="ja-JP" altLang="en-US" smtClean="0"/>
-              <a:t>2018/11/5</a:t>
+              <a:t>2019/3/1</a:t>
             </a:fld>
             <a:endParaRPr kumimoji="1" lang="ja-JP" altLang="en-US"/>
           </a:p>
@@ -668,7 +668,7 @@
           <a:p>
             <a:fld id="{20729CD2-01AC-449B-A4EA-8FAD07C0EC93}" type="datetimeFigureOut">
               <a:rPr kumimoji="1" lang="ja-JP" altLang="en-US" smtClean="0"/>
-              <a:t>2018/11/5</a:t>
+              <a:t>2019/3/1</a:t>
             </a:fld>
             <a:endParaRPr kumimoji="1" lang="ja-JP" altLang="en-US"/>
           </a:p>
@@ -870,7 +870,7 @@
           <a:p>
             <a:fld id="{20729CD2-01AC-449B-A4EA-8FAD07C0EC93}" type="datetimeFigureOut">
               <a:rPr kumimoji="1" lang="ja-JP" altLang="en-US" smtClean="0"/>
-              <a:t>2018/11/5</a:t>
+              <a:t>2019/3/1</a:t>
             </a:fld>
             <a:endParaRPr kumimoji="1" lang="ja-JP" altLang="en-US"/>
           </a:p>
@@ -1116,7 +1116,7 @@
           <a:p>
             <a:fld id="{20729CD2-01AC-449B-A4EA-8FAD07C0EC93}" type="datetimeFigureOut">
               <a:rPr kumimoji="1" lang="ja-JP" altLang="en-US" smtClean="0"/>
-              <a:t>2018/11/5</a:t>
+              <a:t>2019/3/1</a:t>
             </a:fld>
             <a:endParaRPr kumimoji="1" lang="ja-JP" altLang="en-US"/>
           </a:p>
@@ -1412,7 +1412,7 @@
           <a:p>
             <a:fld id="{20729CD2-01AC-449B-A4EA-8FAD07C0EC93}" type="datetimeFigureOut">
               <a:rPr kumimoji="1" lang="ja-JP" altLang="en-US" smtClean="0"/>
-              <a:t>2018/11/5</a:t>
+              <a:t>2019/3/1</a:t>
             </a:fld>
             <a:endParaRPr kumimoji="1" lang="ja-JP" altLang="en-US"/>
           </a:p>
@@ -1843,7 +1843,7 @@
           <a:p>
             <a:fld id="{20729CD2-01AC-449B-A4EA-8FAD07C0EC93}" type="datetimeFigureOut">
               <a:rPr kumimoji="1" lang="ja-JP" altLang="en-US" smtClean="0"/>
-              <a:t>2018/11/5</a:t>
+              <a:t>2019/3/1</a:t>
             </a:fld>
             <a:endParaRPr kumimoji="1" lang="ja-JP" altLang="en-US"/>
           </a:p>
@@ -1961,7 +1961,7 @@
           <a:p>
             <a:fld id="{20729CD2-01AC-449B-A4EA-8FAD07C0EC93}" type="datetimeFigureOut">
               <a:rPr kumimoji="1" lang="ja-JP" altLang="en-US" smtClean="0"/>
-              <a:t>2018/11/5</a:t>
+              <a:t>2019/3/1</a:t>
             </a:fld>
             <a:endParaRPr kumimoji="1" lang="ja-JP" altLang="en-US"/>
           </a:p>
@@ -2056,7 +2056,7 @@
           <a:p>
             <a:fld id="{20729CD2-01AC-449B-A4EA-8FAD07C0EC93}" type="datetimeFigureOut">
               <a:rPr kumimoji="1" lang="ja-JP" altLang="en-US" smtClean="0"/>
-              <a:t>2018/11/5</a:t>
+              <a:t>2019/3/1</a:t>
             </a:fld>
             <a:endParaRPr kumimoji="1" lang="ja-JP" altLang="en-US"/>
           </a:p>
@@ -2365,7 +2365,7 @@
           <a:p>
             <a:fld id="{20729CD2-01AC-449B-A4EA-8FAD07C0EC93}" type="datetimeFigureOut">
               <a:rPr kumimoji="1" lang="ja-JP" altLang="en-US" smtClean="0"/>
-              <a:t>2018/11/5</a:t>
+              <a:t>2019/3/1</a:t>
             </a:fld>
             <a:endParaRPr kumimoji="1" lang="ja-JP" altLang="en-US"/>
           </a:p>
@@ -2618,7 +2618,7 @@
           <a:p>
             <a:fld id="{20729CD2-01AC-449B-A4EA-8FAD07C0EC93}" type="datetimeFigureOut">
               <a:rPr kumimoji="1" lang="ja-JP" altLang="en-US" smtClean="0"/>
-              <a:t>2018/11/5</a:t>
+              <a:t>2019/3/1</a:t>
             </a:fld>
             <a:endParaRPr kumimoji="1" lang="ja-JP" altLang="en-US"/>
           </a:p>
@@ -2863,7 +2863,7 @@
           <a:p>
             <a:fld id="{20729CD2-01AC-449B-A4EA-8FAD07C0EC93}" type="datetimeFigureOut">
               <a:rPr kumimoji="1" lang="ja-JP" altLang="en-US" smtClean="0"/>
-              <a:t>2018/11/5</a:t>
+              <a:t>2019/3/1</a:t>
             </a:fld>
             <a:endParaRPr kumimoji="1" lang="ja-JP" altLang="en-US"/>
           </a:p>
@@ -4752,7 +4752,7 @@
             </a:r>
             <a:r>
               <a:rPr lang="ja-JP" altLang="en-US" sz="3600" smtClean="0"/>
-              <a:t>の操作</a:t>
+              <a:t>の手</a:t>
             </a:r>
             <a:endParaRPr kumimoji="1" lang="ja-JP" altLang="en-US" sz="3600" dirty="0"/>
           </a:p>
@@ -4936,8 +4936,13 @@
           <a:p>
             <a:r>
               <a:rPr kumimoji="1" lang="ja-JP" altLang="en-US" sz="3600" dirty="0"/>
-              <a:t>現在の盤面</a:t>
-            </a:r>
+              <a:t>現在</a:t>
+            </a:r>
+            <a:r>
+              <a:rPr kumimoji="1" lang="ja-JP" altLang="en-US" sz="3600" dirty="0" smtClean="0"/>
+              <a:t>の状態</a:t>
+            </a:r>
+            <a:endParaRPr kumimoji="1" lang="ja-JP" altLang="en-US" sz="3600" dirty="0"/>
           </a:p>
         </p:txBody>
       </p:sp>
